--- a/Presentatie.pptx
+++ b/Presentatie.pptx
@@ -11,7 +11,7 @@
     <p:handoutMasterId r:id="rId12"/>
   </p:handoutMasterIdLst>
   <p:sldIdLst>
-    <p:sldId id="256" r:id="rId2"/>
+    <p:sldId id="265" r:id="rId2"/>
     <p:sldId id="257" r:id="rId3"/>
     <p:sldId id="258" r:id="rId4"/>
     <p:sldId id="260" r:id="rId5"/>
@@ -118,6 +118,14 @@
       </a:defRPr>
     </a:lvl9pPr>
   </p:defaultTextStyle>
+  <p:extLst>
+    <p:ext uri="{EFAFB233-063F-42B5-8137-9DF3F51BA10A}">
+      <p15:sldGuideLst xmlns:p15="http://schemas.microsoft.com/office/powerpoint/2012/main"/>
+    </p:ext>
+    <p:ext uri="{2D200454-40CA-4A62-9FC3-DE9A4176ACB9}">
+      <p15:notesGuideLst xmlns:p15="http://schemas.microsoft.com/office/powerpoint/2012/main"/>
+    </p:ext>
+  </p:extLst>
 </p:presentation>
 </file>
 
@@ -203,7 +211,7 @@
           <a:p>
             <a:fld id="{45244D74-A434-456E-A2D6-A174A873DB27}" type="datetimeFigureOut">
               <a:rPr lang="nl-NL" smtClean="0"/>
-              <a:t>10-4-2015</a:t>
+              <a:t>13-4-2015</a:t>
             </a:fld>
             <a:endParaRPr lang="nl-NL"/>
           </a:p>
@@ -368,7 +376,7 @@
           <a:p>
             <a:fld id="{1BB41A74-A6BE-48D8-8B73-ECA36C8A7BFE}" type="datetimeFigureOut">
               <a:rPr lang="nl-NL" smtClean="0"/>
-              <a:t>10-4-2015</a:t>
+              <a:t>13-4-2015</a:t>
             </a:fld>
             <a:endParaRPr lang="nl-NL"/>
           </a:p>
@@ -636,90 +644,6 @@
 </p:notesMaster>
 </file>
 
-<file path=ppt/notesSlides/notesSlide1.xml><?xml version="1.0" encoding="utf-8"?>
-<p:notes xmlns:a="http://schemas.openxmlformats.org/drawingml/2006/main" xmlns:r="http://schemas.openxmlformats.org/officeDocument/2006/relationships" xmlns:p="http://schemas.openxmlformats.org/presentationml/2006/main">
-  <p:cSld>
-    <p:spTree>
-      <p:nvGrpSpPr>
-        <p:cNvPr id="1" name=""/>
-        <p:cNvGrpSpPr/>
-        <p:nvPr/>
-      </p:nvGrpSpPr>
-      <p:grpSpPr>
-        <a:xfrm>
-          <a:off x="0" y="0"/>
-          <a:ext cx="0" cy="0"/>
-          <a:chOff x="0" y="0"/>
-          <a:chExt cx="0" cy="0"/>
-        </a:xfrm>
-      </p:grpSpPr>
-      <p:sp>
-        <p:nvSpPr>
-          <p:cNvPr id="2" name="Tijdelijke aanduiding voor dia-afbeelding 1"/>
-          <p:cNvSpPr>
-            <a:spLocks noGrp="1" noRot="1" noChangeAspect="1"/>
-          </p:cNvSpPr>
-          <p:nvPr>
-            <p:ph type="sldImg"/>
-          </p:nvPr>
-        </p:nvSpPr>
-        <p:spPr/>
-      </p:sp>
-      <p:sp>
-        <p:nvSpPr>
-          <p:cNvPr id="3" name="Tijdelijke aanduiding voor notities 2"/>
-          <p:cNvSpPr>
-            <a:spLocks noGrp="1"/>
-          </p:cNvSpPr>
-          <p:nvPr>
-            <p:ph type="body" idx="1"/>
-          </p:nvPr>
-        </p:nvSpPr>
-        <p:spPr/>
-        <p:txBody>
-          <a:bodyPr/>
-          <a:lstStyle/>
-          <a:p>
-            <a:endParaRPr lang="nl-NL"/>
-          </a:p>
-        </p:txBody>
-      </p:sp>
-      <p:sp>
-        <p:nvSpPr>
-          <p:cNvPr id="4" name="Tijdelijke aanduiding voor dianummer 3"/>
-          <p:cNvSpPr>
-            <a:spLocks noGrp="1"/>
-          </p:cNvSpPr>
-          <p:nvPr>
-            <p:ph type="sldNum" sz="quarter" idx="10"/>
-          </p:nvPr>
-        </p:nvSpPr>
-        <p:spPr/>
-        <p:txBody>
-          <a:bodyPr/>
-          <a:lstStyle/>
-          <a:p>
-            <a:fld id="{446B68A9-179F-44D0-AF8C-53B198ECA9FD}" type="slidenum">
-              <a:rPr lang="nl-NL" smtClean="0"/>
-              <a:t>0</a:t>
-            </a:fld>
-            <a:endParaRPr lang="nl-NL"/>
-          </a:p>
-        </p:txBody>
-      </p:sp>
-    </p:spTree>
-    <p:extLst>
-      <p:ext uri="{BB962C8B-B14F-4D97-AF65-F5344CB8AC3E}">
-        <p14:creationId xmlns:p14="http://schemas.microsoft.com/office/powerpoint/2010/main" val="4202871653"/>
-      </p:ext>
-    </p:extLst>
-  </p:cSld>
-  <p:clrMapOvr>
-    <a:masterClrMapping/>
-  </p:clrMapOvr>
-</p:notes>
-</file>
-
 <file path=ppt/slideLayouts/slideLayout1.xml><?xml version="1.0" encoding="utf-8"?>
 <p:sldLayout xmlns:a="http://schemas.openxmlformats.org/drawingml/2006/main" xmlns:r="http://schemas.openxmlformats.org/officeDocument/2006/relationships" xmlns:p="http://schemas.openxmlformats.org/presentationml/2006/main" preserve="1" userDrawn="1">
   <p:cSld name="Titeldia">
@@ -791,7 +715,7 @@
           <a:p>
             <a:fld id="{7B0FC7B4-AB3D-4EA8-A9DB-2B61DC5F89CC}" type="datetime1">
               <a:rPr lang="nl-NL" smtClean="0"/>
-              <a:t>10-4-2015</a:t>
+              <a:t>13-4-2015</a:t>
             </a:fld>
             <a:endParaRPr lang="nl-NL" dirty="0"/>
           </a:p>
@@ -830,421 +754,75 @@
       </p:sp>
       <p:sp>
         <p:nvSpPr>
-          <p:cNvPr id="7" name="Ondertitel 2"/>
-          <p:cNvSpPr txBox="1">
-            <a:spLocks/>
-          </p:cNvSpPr>
-          <p:nvPr userDrawn="1"/>
+          <p:cNvPr id="6" name="Tijdelijke aanduiding voor tekst 5"/>
+          <p:cNvSpPr>
+            <a:spLocks noGrp="1"/>
+          </p:cNvSpPr>
+          <p:nvPr>
+            <p:ph type="body" sz="quarter" idx="12" hasCustomPrompt="1"/>
+          </p:nvPr>
         </p:nvSpPr>
         <p:spPr>
           <a:xfrm>
-            <a:off x="1524000" y="3068638"/>
-            <a:ext cx="9144000" cy="665162"/>
+            <a:off x="1524000" y="2917825"/>
+            <a:ext cx="9144000" cy="739775"/>
           </a:xfrm>
-          <a:prstGeom prst="rect">
-            <a:avLst/>
-          </a:prstGeom>
         </p:spPr>
         <p:txBody>
-          <a:bodyPr vert="horz" lIns="91440" tIns="45720" rIns="91440" bIns="45720" rtlCol="0">
-            <a:normAutofit/>
+          <a:bodyPr>
+            <a:noAutofit/>
           </a:bodyPr>
           <a:lstStyle>
-            <a:lvl1pPr marL="0" indent="0" algn="l" defTabSz="914400" rtl="0" eaLnBrk="1" latinLnBrk="0" hangingPunct="1">
-              <a:lnSpc>
-                <a:spcPct val="90000"/>
-              </a:lnSpc>
-              <a:spcBef>
-                <a:spcPts val="1000"/>
-              </a:spcBef>
-              <a:buFont typeface="Arial" panose="020B0604020202020204" pitchFamily="34" charset="0"/>
-              <a:buNone/>
-              <a:defRPr sz="3200" kern="1200">
-                <a:solidFill>
-                  <a:srgbClr val="44B2F5"/>
-                </a:solidFill>
-                <a:latin typeface="Source Sans Pro" panose="020B0503030403020204" pitchFamily="34" charset="0"/>
-                <a:ea typeface="+mn-ea"/>
-                <a:cs typeface="+mn-cs"/>
+            <a:lvl1pPr marL="0" indent="0">
+              <a:buNone/>
+              <a:defRPr sz="4800">
+                <a:solidFill>
+                  <a:schemeClr val="accent6"/>
+                </a:solidFill>
               </a:defRPr>
             </a:lvl1pPr>
-            <a:lvl2pPr marL="457200" indent="0" algn="ctr" defTabSz="914400" rtl="0" eaLnBrk="1" latinLnBrk="0" hangingPunct="1">
-              <a:lnSpc>
-                <a:spcPct val="90000"/>
-              </a:lnSpc>
-              <a:spcBef>
-                <a:spcPts val="500"/>
-              </a:spcBef>
-              <a:buFont typeface="Arial" panose="020B0604020202020204" pitchFamily="34" charset="0"/>
-              <a:buNone/>
-              <a:defRPr sz="2000" kern="1200">
-                <a:solidFill>
-                  <a:srgbClr val="303B42"/>
-                </a:solidFill>
-                <a:latin typeface="+mn-lt"/>
-                <a:ea typeface="+mn-ea"/>
-                <a:cs typeface="+mn-cs"/>
-              </a:defRPr>
-            </a:lvl2pPr>
-            <a:lvl3pPr marL="914400" indent="0" algn="ctr" defTabSz="914400" rtl="0" eaLnBrk="1" latinLnBrk="0" hangingPunct="1">
-              <a:lnSpc>
-                <a:spcPct val="90000"/>
-              </a:lnSpc>
-              <a:spcBef>
-                <a:spcPts val="500"/>
-              </a:spcBef>
-              <a:buFont typeface="Arial" panose="020B0604020202020204" pitchFamily="34" charset="0"/>
-              <a:buNone/>
-              <a:defRPr sz="1800" kern="1200">
-                <a:solidFill>
-                  <a:srgbClr val="303B42"/>
-                </a:solidFill>
-                <a:latin typeface="+mn-lt"/>
-                <a:ea typeface="+mn-ea"/>
-                <a:cs typeface="+mn-cs"/>
-              </a:defRPr>
-            </a:lvl3pPr>
-            <a:lvl4pPr marL="1371600" indent="0" algn="ctr" defTabSz="914400" rtl="0" eaLnBrk="1" latinLnBrk="0" hangingPunct="1">
-              <a:lnSpc>
-                <a:spcPct val="90000"/>
-              </a:lnSpc>
-              <a:spcBef>
-                <a:spcPts val="500"/>
-              </a:spcBef>
-              <a:buFont typeface="Arial" panose="020B0604020202020204" pitchFamily="34" charset="0"/>
-              <a:buNone/>
-              <a:defRPr sz="1600" kern="1200">
-                <a:solidFill>
-                  <a:srgbClr val="303B42"/>
-                </a:solidFill>
-                <a:latin typeface="+mn-lt"/>
-                <a:ea typeface="+mn-ea"/>
-                <a:cs typeface="+mn-cs"/>
-              </a:defRPr>
-            </a:lvl4pPr>
-            <a:lvl5pPr marL="1828800" indent="0" algn="ctr" defTabSz="914400" rtl="0" eaLnBrk="1" latinLnBrk="0" hangingPunct="1">
-              <a:lnSpc>
-                <a:spcPct val="90000"/>
-              </a:lnSpc>
-              <a:spcBef>
-                <a:spcPts val="500"/>
-              </a:spcBef>
-              <a:buFont typeface="Arial" panose="020B0604020202020204" pitchFamily="34" charset="0"/>
-              <a:buNone/>
-              <a:defRPr sz="1600" kern="1200">
-                <a:solidFill>
-                  <a:srgbClr val="303B42"/>
-                </a:solidFill>
-                <a:latin typeface="+mn-lt"/>
-                <a:ea typeface="+mn-ea"/>
-                <a:cs typeface="+mn-cs"/>
-              </a:defRPr>
-            </a:lvl5pPr>
-            <a:lvl6pPr marL="2286000" indent="0" algn="ctr" defTabSz="914400" rtl="0" eaLnBrk="1" latinLnBrk="0" hangingPunct="1">
-              <a:lnSpc>
-                <a:spcPct val="90000"/>
-              </a:lnSpc>
-              <a:spcBef>
-                <a:spcPts val="500"/>
-              </a:spcBef>
-              <a:buFont typeface="Arial" panose="020B0604020202020204" pitchFamily="34" charset="0"/>
-              <a:buNone/>
-              <a:defRPr sz="1600" kern="1200">
-                <a:solidFill>
-                  <a:schemeClr val="tx1"/>
-                </a:solidFill>
-                <a:latin typeface="+mn-lt"/>
-                <a:ea typeface="+mn-ea"/>
-                <a:cs typeface="+mn-cs"/>
-              </a:defRPr>
-            </a:lvl6pPr>
-            <a:lvl7pPr marL="2743200" indent="0" algn="ctr" defTabSz="914400" rtl="0" eaLnBrk="1" latinLnBrk="0" hangingPunct="1">
-              <a:lnSpc>
-                <a:spcPct val="90000"/>
-              </a:lnSpc>
-              <a:spcBef>
-                <a:spcPts val="500"/>
-              </a:spcBef>
-              <a:buFont typeface="Arial" panose="020B0604020202020204" pitchFamily="34" charset="0"/>
-              <a:buNone/>
-              <a:defRPr sz="1600" kern="1200">
-                <a:solidFill>
-                  <a:schemeClr val="tx1"/>
-                </a:solidFill>
-                <a:latin typeface="+mn-lt"/>
-                <a:ea typeface="+mn-ea"/>
-                <a:cs typeface="+mn-cs"/>
-              </a:defRPr>
-            </a:lvl7pPr>
-            <a:lvl8pPr marL="3200400" indent="0" algn="ctr" defTabSz="914400" rtl="0" eaLnBrk="1" latinLnBrk="0" hangingPunct="1">
-              <a:lnSpc>
-                <a:spcPct val="90000"/>
-              </a:lnSpc>
-              <a:spcBef>
-                <a:spcPts val="500"/>
-              </a:spcBef>
-              <a:buFont typeface="Arial" panose="020B0604020202020204" pitchFamily="34" charset="0"/>
-              <a:buNone/>
-              <a:defRPr sz="1600" kern="1200">
-                <a:solidFill>
-                  <a:schemeClr val="tx1"/>
-                </a:solidFill>
-                <a:latin typeface="+mn-lt"/>
-                <a:ea typeface="+mn-ea"/>
-                <a:cs typeface="+mn-cs"/>
-              </a:defRPr>
-            </a:lvl8pPr>
-            <a:lvl9pPr marL="3657600" indent="0" algn="ctr" defTabSz="914400" rtl="0" eaLnBrk="1" latinLnBrk="0" hangingPunct="1">
-              <a:lnSpc>
-                <a:spcPct val="90000"/>
-              </a:lnSpc>
-              <a:spcBef>
-                <a:spcPts val="500"/>
-              </a:spcBef>
-              <a:buFont typeface="Arial" panose="020B0604020202020204" pitchFamily="34" charset="0"/>
-              <a:buNone/>
-              <a:defRPr sz="1600" kern="1200">
-                <a:solidFill>
-                  <a:schemeClr val="tx1"/>
-                </a:solidFill>
-                <a:latin typeface="+mn-lt"/>
-                <a:ea typeface="+mn-ea"/>
-                <a:cs typeface="+mn-cs"/>
-              </a:defRPr>
-            </a:lvl9pPr>
           </a:lstStyle>
           <a:p>
-            <a:r>
-              <a:rPr lang="nl-NL" sz="3600" dirty="0" smtClean="0">
-                <a:solidFill>
-                  <a:schemeClr val="accent6"/>
-                </a:solidFill>
-              </a:rPr>
-              <a:t>Goldhill</a:t>
-            </a:r>
-            <a:r>
-              <a:rPr lang="nl-NL" sz="3600" baseline="0" dirty="0" smtClean="0">
-                <a:solidFill>
-                  <a:schemeClr val="accent6"/>
-                </a:solidFill>
-              </a:rPr>
-              <a:t> Publishing</a:t>
-            </a:r>
-            <a:endParaRPr lang="nl-NL" sz="3600" dirty="0">
-              <a:solidFill>
-                <a:schemeClr val="accent6"/>
-              </a:solidFill>
-            </a:endParaRPr>
-          </a:p>
-        </p:txBody>
-      </p:sp>
-      <p:sp>
-        <p:nvSpPr>
-          <p:cNvPr id="8" name="Ondertitel 2"/>
-          <p:cNvSpPr txBox="1">
-            <a:spLocks/>
-          </p:cNvSpPr>
-          <p:nvPr userDrawn="1"/>
+            <a:pPr lvl="0"/>
+            <a:r>
+              <a:rPr lang="nl-NL" dirty="0" smtClean="0"/>
+              <a:t>Company name</a:t>
+            </a:r>
+            <a:endParaRPr lang="nl-NL" dirty="0"/>
+          </a:p>
+        </p:txBody>
+      </p:sp>
+      <p:sp>
+        <p:nvSpPr>
+          <p:cNvPr id="14" name="Tijdelijke aanduiding voor tekst 13"/>
+          <p:cNvSpPr>
+            <a:spLocks noGrp="1"/>
+          </p:cNvSpPr>
+          <p:nvPr>
+            <p:ph type="body" sz="quarter" idx="13" hasCustomPrompt="1"/>
+          </p:nvPr>
         </p:nvSpPr>
         <p:spPr>
           <a:xfrm>
-            <a:off x="1524000" y="3721100"/>
-            <a:ext cx="9144000" cy="665162"/>
+            <a:off x="1524000" y="3681412"/>
+            <a:ext cx="8658225" cy="390525"/>
           </a:xfrm>
-          <a:prstGeom prst="rect">
-            <a:avLst/>
-          </a:prstGeom>
         </p:spPr>
         <p:txBody>
-          <a:bodyPr vert="horz" lIns="91440" tIns="45720" rIns="91440" bIns="45720" rtlCol="0">
-            <a:normAutofit/>
-          </a:bodyPr>
+          <a:bodyPr/>
           <a:lstStyle>
-            <a:lvl1pPr marL="0" indent="0" algn="l" defTabSz="914400" rtl="0" eaLnBrk="1" latinLnBrk="0" hangingPunct="1">
-              <a:lnSpc>
-                <a:spcPct val="90000"/>
-              </a:lnSpc>
-              <a:spcBef>
-                <a:spcPts val="1000"/>
-              </a:spcBef>
-              <a:buFont typeface="Arial" panose="020B0604020202020204" pitchFamily="34" charset="0"/>
-              <a:buNone/>
-              <a:defRPr sz="3200" kern="1200">
-                <a:solidFill>
-                  <a:srgbClr val="44B2F5"/>
-                </a:solidFill>
-                <a:latin typeface="Source Sans Pro" panose="020B0503030403020204" pitchFamily="34" charset="0"/>
-                <a:ea typeface="+mn-ea"/>
-                <a:cs typeface="+mn-cs"/>
-              </a:defRPr>
+            <a:lvl1pPr marL="0" indent="0">
+              <a:buNone/>
+              <a:defRPr baseline="0"/>
             </a:lvl1pPr>
-            <a:lvl2pPr marL="457200" indent="0" algn="ctr" defTabSz="914400" rtl="0" eaLnBrk="1" latinLnBrk="0" hangingPunct="1">
-              <a:lnSpc>
-                <a:spcPct val="90000"/>
-              </a:lnSpc>
-              <a:spcBef>
-                <a:spcPts val="500"/>
-              </a:spcBef>
-              <a:buFont typeface="Arial" panose="020B0604020202020204" pitchFamily="34" charset="0"/>
-              <a:buNone/>
-              <a:defRPr sz="2000" kern="1200">
-                <a:solidFill>
-                  <a:srgbClr val="303B42"/>
-                </a:solidFill>
-                <a:latin typeface="+mn-lt"/>
-                <a:ea typeface="+mn-ea"/>
-                <a:cs typeface="+mn-cs"/>
-              </a:defRPr>
-            </a:lvl2pPr>
-            <a:lvl3pPr marL="914400" indent="0" algn="ctr" defTabSz="914400" rtl="0" eaLnBrk="1" latinLnBrk="0" hangingPunct="1">
-              <a:lnSpc>
-                <a:spcPct val="90000"/>
-              </a:lnSpc>
-              <a:spcBef>
-                <a:spcPts val="500"/>
-              </a:spcBef>
-              <a:buFont typeface="Arial" panose="020B0604020202020204" pitchFamily="34" charset="0"/>
-              <a:buNone/>
-              <a:defRPr sz="1800" kern="1200">
-                <a:solidFill>
-                  <a:srgbClr val="303B42"/>
-                </a:solidFill>
-                <a:latin typeface="+mn-lt"/>
-                <a:ea typeface="+mn-ea"/>
-                <a:cs typeface="+mn-cs"/>
-              </a:defRPr>
-            </a:lvl3pPr>
-            <a:lvl4pPr marL="1371600" indent="0" algn="ctr" defTabSz="914400" rtl="0" eaLnBrk="1" latinLnBrk="0" hangingPunct="1">
-              <a:lnSpc>
-                <a:spcPct val="90000"/>
-              </a:lnSpc>
-              <a:spcBef>
-                <a:spcPts val="500"/>
-              </a:spcBef>
-              <a:buFont typeface="Arial" panose="020B0604020202020204" pitchFamily="34" charset="0"/>
-              <a:buNone/>
-              <a:defRPr sz="1600" kern="1200">
-                <a:solidFill>
-                  <a:srgbClr val="303B42"/>
-                </a:solidFill>
-                <a:latin typeface="+mn-lt"/>
-                <a:ea typeface="+mn-ea"/>
-                <a:cs typeface="+mn-cs"/>
-              </a:defRPr>
-            </a:lvl4pPr>
-            <a:lvl5pPr marL="1828800" indent="0" algn="ctr" defTabSz="914400" rtl="0" eaLnBrk="1" latinLnBrk="0" hangingPunct="1">
-              <a:lnSpc>
-                <a:spcPct val="90000"/>
-              </a:lnSpc>
-              <a:spcBef>
-                <a:spcPts val="500"/>
-              </a:spcBef>
-              <a:buFont typeface="Arial" panose="020B0604020202020204" pitchFamily="34" charset="0"/>
-              <a:buNone/>
-              <a:defRPr sz="1600" kern="1200">
-                <a:solidFill>
-                  <a:srgbClr val="303B42"/>
-                </a:solidFill>
-                <a:latin typeface="+mn-lt"/>
-                <a:ea typeface="+mn-ea"/>
-                <a:cs typeface="+mn-cs"/>
-              </a:defRPr>
-            </a:lvl5pPr>
-            <a:lvl6pPr marL="2286000" indent="0" algn="ctr" defTabSz="914400" rtl="0" eaLnBrk="1" latinLnBrk="0" hangingPunct="1">
-              <a:lnSpc>
-                <a:spcPct val="90000"/>
-              </a:lnSpc>
-              <a:spcBef>
-                <a:spcPts val="500"/>
-              </a:spcBef>
-              <a:buFont typeface="Arial" panose="020B0604020202020204" pitchFamily="34" charset="0"/>
-              <a:buNone/>
-              <a:defRPr sz="1600" kern="1200">
-                <a:solidFill>
-                  <a:schemeClr val="tx1"/>
-                </a:solidFill>
-                <a:latin typeface="+mn-lt"/>
-                <a:ea typeface="+mn-ea"/>
-                <a:cs typeface="+mn-cs"/>
-              </a:defRPr>
-            </a:lvl6pPr>
-            <a:lvl7pPr marL="2743200" indent="0" algn="ctr" defTabSz="914400" rtl="0" eaLnBrk="1" latinLnBrk="0" hangingPunct="1">
-              <a:lnSpc>
-                <a:spcPct val="90000"/>
-              </a:lnSpc>
-              <a:spcBef>
-                <a:spcPts val="500"/>
-              </a:spcBef>
-              <a:buFont typeface="Arial" panose="020B0604020202020204" pitchFamily="34" charset="0"/>
-              <a:buNone/>
-              <a:defRPr sz="1600" kern="1200">
-                <a:solidFill>
-                  <a:schemeClr val="tx1"/>
-                </a:solidFill>
-                <a:latin typeface="+mn-lt"/>
-                <a:ea typeface="+mn-ea"/>
-                <a:cs typeface="+mn-cs"/>
-              </a:defRPr>
-            </a:lvl7pPr>
-            <a:lvl8pPr marL="3200400" indent="0" algn="ctr" defTabSz="914400" rtl="0" eaLnBrk="1" latinLnBrk="0" hangingPunct="1">
-              <a:lnSpc>
-                <a:spcPct val="90000"/>
-              </a:lnSpc>
-              <a:spcBef>
-                <a:spcPts val="500"/>
-              </a:spcBef>
-              <a:buFont typeface="Arial" panose="020B0604020202020204" pitchFamily="34" charset="0"/>
-              <a:buNone/>
-              <a:defRPr sz="1600" kern="1200">
-                <a:solidFill>
-                  <a:schemeClr val="tx1"/>
-                </a:solidFill>
-                <a:latin typeface="+mn-lt"/>
-                <a:ea typeface="+mn-ea"/>
-                <a:cs typeface="+mn-cs"/>
-              </a:defRPr>
-            </a:lvl8pPr>
-            <a:lvl9pPr marL="3657600" indent="0" algn="ctr" defTabSz="914400" rtl="0" eaLnBrk="1" latinLnBrk="0" hangingPunct="1">
-              <a:lnSpc>
-                <a:spcPct val="90000"/>
-              </a:lnSpc>
-              <a:spcBef>
-                <a:spcPts val="500"/>
-              </a:spcBef>
-              <a:buFont typeface="Arial" panose="020B0604020202020204" pitchFamily="34" charset="0"/>
-              <a:buNone/>
-              <a:defRPr sz="1600" kern="1200">
-                <a:solidFill>
-                  <a:schemeClr val="tx1"/>
-                </a:solidFill>
-                <a:latin typeface="+mn-lt"/>
-                <a:ea typeface="+mn-ea"/>
-                <a:cs typeface="+mn-cs"/>
-              </a:defRPr>
-            </a:lvl9pPr>
           </a:lstStyle>
           <a:p>
-            <a:r>
-              <a:rPr lang="nl-NL" sz="2800" dirty="0" smtClean="0">
-                <a:solidFill>
-                  <a:schemeClr val="tx1"/>
-                </a:solidFill>
-              </a:rPr>
-              <a:t>Assemblage</a:t>
-            </a:r>
-            <a:r>
-              <a:rPr lang="nl-NL" sz="2800" baseline="0" dirty="0" smtClean="0">
-                <a:solidFill>
-                  <a:schemeClr val="tx1"/>
-                </a:solidFill>
-              </a:rPr>
-              <a:t> &amp; Programming</a:t>
-            </a:r>
-            <a:endParaRPr lang="nl-NL" sz="2800" dirty="0">
-              <a:solidFill>
-                <a:schemeClr val="tx1"/>
-              </a:solidFill>
-            </a:endParaRPr>
+            <a:pPr lvl="0"/>
+            <a:r>
+              <a:rPr lang="nl-NL" dirty="0" smtClean="0"/>
+              <a:t>Assemblage &amp; Programming</a:t>
+            </a:r>
+            <a:endParaRPr lang="nl-NL" dirty="0"/>
           </a:p>
         </p:txBody>
       </p:sp>
@@ -1325,7 +903,7 @@
           <a:p>
             <a:fld id="{D3508A91-0AA4-4448-BAC6-5C0A4820891B}" type="datetime1">
               <a:rPr lang="nl-NL" smtClean="0"/>
-              <a:t>10-4-2015</a:t>
+              <a:t>13-4-2015</a:t>
             </a:fld>
             <a:endParaRPr lang="nl-NL"/>
           </a:p>
@@ -1716,7 +1294,7 @@
           <a:p>
             <a:fld id="{5782F50F-33B8-4739-B56D-053B6761C188}" type="datetime1">
               <a:rPr lang="nl-NL" smtClean="0"/>
-              <a:t>10-4-2015</a:t>
+              <a:t>13-4-2015</a:t>
             </a:fld>
             <a:endParaRPr lang="nl-NL" dirty="0"/>
           </a:p>
@@ -2240,7 +1818,7 @@
           <a:p>
             <a:fld id="{64DF3249-2596-41DD-AC27-B4E42227A895}" type="datetime1">
               <a:rPr lang="nl-NL" smtClean="0"/>
-              <a:t>10-4-2015</a:t>
+              <a:t>13-4-2015</a:t>
             </a:fld>
             <a:endParaRPr lang="nl-NL"/>
           </a:p>
@@ -2541,7 +2119,7 @@
           <a:p>
             <a:fld id="{C640B414-68E8-4BED-A816-61CF1D27D6F6}" type="datetime1">
               <a:rPr lang="nl-NL" smtClean="0"/>
-              <a:t>10-4-2015</a:t>
+              <a:t>13-4-2015</a:t>
             </a:fld>
             <a:endParaRPr lang="nl-NL"/>
           </a:p>
@@ -2841,7 +2419,7 @@
           <a:p>
             <a:fld id="{691C0250-0366-4ABB-9F54-0DECA15F9EB9}" type="datetime1">
               <a:rPr lang="nl-NL" smtClean="0"/>
-              <a:t>10-4-2015</a:t>
+              <a:t>13-4-2015</a:t>
             </a:fld>
             <a:endParaRPr lang="nl-NL"/>
           </a:p>
@@ -3355,7 +2933,7 @@
           <a:p>
             <a:fld id="{68CA71AE-DB5A-413C-9957-D767A30A8493}" type="datetime1">
               <a:rPr lang="nl-NL" smtClean="0"/>
-              <a:t>10-4-2015</a:t>
+              <a:t>13-4-2015</a:t>
             </a:fld>
             <a:endParaRPr lang="nl-NL"/>
           </a:p>
@@ -3545,7 +3123,7 @@
           <a:p>
             <a:fld id="{496F1E48-53BC-496C-9ECF-2639EA117A35}" type="datetime1">
               <a:rPr lang="nl-NL" smtClean="0"/>
-              <a:t>10-4-2015</a:t>
+              <a:t>13-4-2015</a:t>
             </a:fld>
             <a:endParaRPr lang="nl-NL"/>
           </a:p>
@@ -3735,7 +3313,7 @@
           <a:p>
             <a:fld id="{F0E39382-3410-4225-B7AE-D0C064EB9D80}" type="datetime1">
               <a:rPr lang="nl-NL" smtClean="0"/>
-              <a:t>10-4-2015</a:t>
+              <a:t>13-4-2015</a:t>
             </a:fld>
             <a:endParaRPr lang="nl-NL"/>
           </a:p>
@@ -4063,7 +3641,7 @@
           <a:p>
             <a:fld id="{E420C392-18A3-4D3A-8F13-5345CFE84C58}" type="datetime1">
               <a:rPr lang="nl-NL" smtClean="0"/>
-              <a:t>10-4-2015</a:t>
+              <a:t>13-4-2015</a:t>
             </a:fld>
             <a:endParaRPr lang="nl-NL"/>
           </a:p>
@@ -4307,7 +3885,7 @@
           <a:p>
             <a:fld id="{34FA34CE-40B4-4262-94ED-B5C177459006}" type="datetime1">
               <a:rPr lang="nl-NL" smtClean="0"/>
-              <a:t>10-4-2015</a:t>
+              <a:t>13-4-2015</a:t>
             </a:fld>
             <a:endParaRPr lang="nl-NL"/>
           </a:p>
@@ -4627,7 +4205,7 @@
           <a:p>
             <a:fld id="{6389DC7C-93CF-4008-82B6-142B047EFEF4}" type="datetime1">
               <a:rPr lang="nl-NL" smtClean="0"/>
-              <a:t>10-4-2015</a:t>
+              <a:t>13-4-2015</a:t>
             </a:fld>
             <a:endParaRPr lang="nl-NL" dirty="0"/>
           </a:p>
@@ -5052,20 +4630,72 @@
             <p:ph type="ctrTitle"/>
           </p:nvPr>
         </p:nvSpPr>
+        <p:spPr/>
+        <p:txBody>
+          <a:bodyPr/>
+          <a:lstStyle/>
+          <a:p>
+            <a:r>
+              <a:rPr lang="nl-NL" dirty="0" err="1" smtClean="0"/>
+              <a:t>Welcome</a:t>
+            </a:r>
+            <a:endParaRPr lang="nl-NL" dirty="0"/>
+          </a:p>
+        </p:txBody>
+      </p:sp>
+      <p:sp>
+        <p:nvSpPr>
+          <p:cNvPr id="3" name="Tijdelijke aanduiding voor tekst 2"/>
+          <p:cNvSpPr>
+            <a:spLocks noGrp="1"/>
+          </p:cNvSpPr>
+          <p:nvPr>
+            <p:ph type="body" sz="quarter" idx="12"/>
+          </p:nvPr>
+        </p:nvSpPr>
         <p:spPr>
           <a:xfrm>
-            <a:off x="1524000" y="1320799"/>
-            <a:ext cx="9144000" cy="1185863"/>
+            <a:off x="1524000" y="2907434"/>
+            <a:ext cx="9144000" cy="739775"/>
           </a:xfrm>
         </p:spPr>
         <p:txBody>
           <a:bodyPr/>
           <a:lstStyle/>
           <a:p>
-            <a:pPr algn="l"/>
-            <a:r>
-              <a:rPr lang="nl-NL" dirty="0" err="1" smtClean="0"/>
-              <a:t>Welcome</a:t>
+            <a:r>
+              <a:rPr lang="nl-NL" dirty="0" smtClean="0"/>
+              <a:t>Goldhill Publishing	</a:t>
+            </a:r>
+            <a:endParaRPr lang="nl-NL" dirty="0"/>
+          </a:p>
+        </p:txBody>
+      </p:sp>
+      <p:sp>
+        <p:nvSpPr>
+          <p:cNvPr id="4" name="Tijdelijke aanduiding voor tekst 3"/>
+          <p:cNvSpPr>
+            <a:spLocks noGrp="1"/>
+          </p:cNvSpPr>
+          <p:nvPr>
+            <p:ph type="body" sz="quarter" idx="13"/>
+          </p:nvPr>
+        </p:nvSpPr>
+        <p:spPr>
+          <a:xfrm>
+            <a:off x="1524000" y="3657600"/>
+            <a:ext cx="8658225" cy="390525"/>
+          </a:xfrm>
+        </p:spPr>
+        <p:txBody>
+          <a:bodyPr>
+            <a:normAutofit fontScale="92500" lnSpcReduction="20000"/>
+          </a:bodyPr>
+          <a:lstStyle/>
+          <a:p>
+            <a:r>
+              <a:rPr lang="nl-NL" dirty="0" smtClean="0"/>
+              <a:t>Assemblage &amp; Programming</a:t>
             </a:r>
             <a:endParaRPr lang="nl-NL" dirty="0"/>
           </a:p>
@@ -5074,7 +4704,7 @@
     </p:spTree>
     <p:extLst>
       <p:ext uri="{BB962C8B-B14F-4D97-AF65-F5344CB8AC3E}">
-        <p14:creationId xmlns:p14="http://schemas.microsoft.com/office/powerpoint/2010/main" val="1998006079"/>
+        <p14:creationId xmlns:p14="http://schemas.microsoft.com/office/powerpoint/2010/main" val="2458603785"/>
       </p:ext>
     </p:extLst>
   </p:cSld>
@@ -5199,7 +4829,7 @@
           <a:p>
             <a:fld id="{64DF3249-2596-41DD-AC27-B4E42227A895}" type="datetime1">
               <a:rPr lang="nl-NL" smtClean="0"/>
-              <a:t>10-4-2015</a:t>
+              <a:t>13-4-2015</a:t>
             </a:fld>
             <a:endParaRPr lang="nl-NL"/>
           </a:p>
@@ -5513,7 +5143,7 @@
           <a:p>
             <a:fld id="{34FA34CE-40B4-4262-94ED-B5C177459006}" type="datetime1">
               <a:rPr lang="nl-NL" smtClean="0"/>
-              <a:t>10-4-2015</a:t>
+              <a:t>13-4-2015</a:t>
             </a:fld>
             <a:endParaRPr lang="nl-NL"/>
           </a:p>
@@ -6198,7 +5828,7 @@
           <a:p>
             <a:fld id="{34FA34CE-40B4-4262-94ED-B5C177459006}" type="datetime1">
               <a:rPr lang="nl-NL" smtClean="0"/>
-              <a:t>10-4-2015</a:t>
+              <a:t>13-4-2015</a:t>
             </a:fld>
             <a:endParaRPr lang="nl-NL"/>
           </a:p>
@@ -6566,7 +6196,7 @@
           <a:p>
             <a:fld id="{34FA34CE-40B4-4262-94ED-B5C177459006}" type="datetime1">
               <a:rPr lang="nl-NL" smtClean="0"/>
-              <a:t>10-4-2015</a:t>
+              <a:t>13-4-2015</a:t>
             </a:fld>
             <a:endParaRPr lang="nl-NL"/>
           </a:p>
@@ -6748,7 +6378,7 @@
           <a:p>
             <a:fld id="{34FA34CE-40B4-4262-94ED-B5C177459006}" type="datetime1">
               <a:rPr lang="nl-NL" smtClean="0"/>
-              <a:t>10-4-2015</a:t>
+              <a:t>13-4-2015</a:t>
             </a:fld>
             <a:endParaRPr lang="nl-NL"/>
           </a:p>
@@ -6906,7 +6536,7 @@
           <a:p>
             <a:fld id="{D3508A91-0AA4-4448-BAC6-5C0A4820891B}" type="datetime1">
               <a:rPr lang="nl-NL" smtClean="0"/>
-              <a:t>10-4-2015</a:t>
+              <a:t>13-4-2015</a:t>
             </a:fld>
             <a:endParaRPr lang="nl-NL"/>
           </a:p>
@@ -7096,7 +6726,7 @@
           <a:p>
             <a:fld id="{5782F50F-33B8-4739-B56D-053B6761C188}" type="datetime1">
               <a:rPr lang="nl-NL" smtClean="0"/>
-              <a:t>10-4-2015</a:t>
+              <a:t>13-4-2015</a:t>
             </a:fld>
             <a:endParaRPr lang="nl-NL" dirty="0"/>
           </a:p>

--- a/Presentatie.pptx
+++ b/Presentatie.pptx
@@ -211,7 +211,7 @@
           <a:p>
             <a:fld id="{45244D74-A434-456E-A2D6-A174A873DB27}" type="datetimeFigureOut">
               <a:rPr lang="nl-NL" smtClean="0"/>
-              <a:t>13-4-2015</a:t>
+              <a:t>15-4-2015</a:t>
             </a:fld>
             <a:endParaRPr lang="nl-NL"/>
           </a:p>
@@ -376,7 +376,7 @@
           <a:p>
             <a:fld id="{1BB41A74-A6BE-48D8-8B73-ECA36C8A7BFE}" type="datetimeFigureOut">
               <a:rPr lang="nl-NL" smtClean="0"/>
-              <a:t>13-4-2015</a:t>
+              <a:t>15-4-2015</a:t>
             </a:fld>
             <a:endParaRPr lang="nl-NL"/>
           </a:p>
@@ -715,7 +715,7 @@
           <a:p>
             <a:fld id="{7B0FC7B4-AB3D-4EA8-A9DB-2B61DC5F89CC}" type="datetime1">
               <a:rPr lang="nl-NL" smtClean="0"/>
-              <a:t>13-4-2015</a:t>
+              <a:t>15-4-2015</a:t>
             </a:fld>
             <a:endParaRPr lang="nl-NL" dirty="0"/>
           </a:p>
@@ -903,7 +903,7 @@
           <a:p>
             <a:fld id="{D3508A91-0AA4-4448-BAC6-5C0A4820891B}" type="datetime1">
               <a:rPr lang="nl-NL" smtClean="0"/>
-              <a:t>13-4-2015</a:t>
+              <a:t>15-4-2015</a:t>
             </a:fld>
             <a:endParaRPr lang="nl-NL"/>
           </a:p>
@@ -1294,7 +1294,7 @@
           <a:p>
             <a:fld id="{5782F50F-33B8-4739-B56D-053B6761C188}" type="datetime1">
               <a:rPr lang="nl-NL" smtClean="0"/>
-              <a:t>13-4-2015</a:t>
+              <a:t>15-4-2015</a:t>
             </a:fld>
             <a:endParaRPr lang="nl-NL" dirty="0"/>
           </a:p>
@@ -1818,7 +1818,7 @@
           <a:p>
             <a:fld id="{64DF3249-2596-41DD-AC27-B4E42227A895}" type="datetime1">
               <a:rPr lang="nl-NL" smtClean="0"/>
-              <a:t>13-4-2015</a:t>
+              <a:t>15-4-2015</a:t>
             </a:fld>
             <a:endParaRPr lang="nl-NL"/>
           </a:p>
@@ -2119,7 +2119,7 @@
           <a:p>
             <a:fld id="{C640B414-68E8-4BED-A816-61CF1D27D6F6}" type="datetime1">
               <a:rPr lang="nl-NL" smtClean="0"/>
-              <a:t>13-4-2015</a:t>
+              <a:t>15-4-2015</a:t>
             </a:fld>
             <a:endParaRPr lang="nl-NL"/>
           </a:p>
@@ -2419,7 +2419,7 @@
           <a:p>
             <a:fld id="{691C0250-0366-4ABB-9F54-0DECA15F9EB9}" type="datetime1">
               <a:rPr lang="nl-NL" smtClean="0"/>
-              <a:t>13-4-2015</a:t>
+              <a:t>15-4-2015</a:t>
             </a:fld>
             <a:endParaRPr lang="nl-NL"/>
           </a:p>
@@ -2933,7 +2933,7 @@
           <a:p>
             <a:fld id="{68CA71AE-DB5A-413C-9957-D767A30A8493}" type="datetime1">
               <a:rPr lang="nl-NL" smtClean="0"/>
-              <a:t>13-4-2015</a:t>
+              <a:t>15-4-2015</a:t>
             </a:fld>
             <a:endParaRPr lang="nl-NL"/>
           </a:p>
@@ -3123,7 +3123,7 @@
           <a:p>
             <a:fld id="{496F1E48-53BC-496C-9ECF-2639EA117A35}" type="datetime1">
               <a:rPr lang="nl-NL" smtClean="0"/>
-              <a:t>13-4-2015</a:t>
+              <a:t>15-4-2015</a:t>
             </a:fld>
             <a:endParaRPr lang="nl-NL"/>
           </a:p>
@@ -3313,7 +3313,7 @@
           <a:p>
             <a:fld id="{F0E39382-3410-4225-B7AE-D0C064EB9D80}" type="datetime1">
               <a:rPr lang="nl-NL" smtClean="0"/>
-              <a:t>13-4-2015</a:t>
+              <a:t>15-4-2015</a:t>
             </a:fld>
             <a:endParaRPr lang="nl-NL"/>
           </a:p>
@@ -3641,7 +3641,7 @@
           <a:p>
             <a:fld id="{E420C392-18A3-4D3A-8F13-5345CFE84C58}" type="datetime1">
               <a:rPr lang="nl-NL" smtClean="0"/>
-              <a:t>13-4-2015</a:t>
+              <a:t>15-4-2015</a:t>
             </a:fld>
             <a:endParaRPr lang="nl-NL"/>
           </a:p>
@@ -3885,7 +3885,7 @@
           <a:p>
             <a:fld id="{34FA34CE-40B4-4262-94ED-B5C177459006}" type="datetime1">
               <a:rPr lang="nl-NL" smtClean="0"/>
-              <a:t>13-4-2015</a:t>
+              <a:t>15-4-2015</a:t>
             </a:fld>
             <a:endParaRPr lang="nl-NL"/>
           </a:p>
@@ -4205,7 +4205,7 @@
           <a:p>
             <a:fld id="{6389DC7C-93CF-4008-82B6-142B047EFEF4}" type="datetime1">
               <a:rPr lang="nl-NL" smtClean="0"/>
-              <a:t>13-4-2015</a:t>
+              <a:t>15-4-2015</a:t>
             </a:fld>
             <a:endParaRPr lang="nl-NL" dirty="0"/>
           </a:p>
@@ -4829,7 +4829,7 @@
           <a:p>
             <a:fld id="{64DF3249-2596-41DD-AC27-B4E42227A895}" type="datetime1">
               <a:rPr lang="nl-NL" smtClean="0"/>
-              <a:t>13-4-2015</a:t>
+              <a:t>15-4-2015</a:t>
             </a:fld>
             <a:endParaRPr lang="nl-NL"/>
           </a:p>
@@ -4979,7 +4979,7 @@
                   <a:schemeClr val="tx1"/>
                 </a:solidFill>
               </a:rPr>
-              <a:t>Realible</a:t>
+              <a:t>Reliable</a:t>
             </a:r>
             <a:endParaRPr lang="nl-NL" sz="2800" dirty="0">
               <a:solidFill>
@@ -4998,7 +4998,23 @@
                   <a:schemeClr val="tx1"/>
                 </a:solidFill>
               </a:rPr>
-              <a:t>Unbreakable</a:t>
+              <a:t>Self</a:t>
+            </a:r>
+            <a:r>
+              <a:rPr lang="nl-NL" sz="2800" dirty="0" smtClean="0">
+                <a:solidFill>
+                  <a:schemeClr val="tx1"/>
+                </a:solidFill>
+              </a:rPr>
+              <a:t> </a:t>
+            </a:r>
+            <a:r>
+              <a:rPr lang="nl-NL" sz="2800" dirty="0" err="1" smtClean="0">
+                <a:solidFill>
+                  <a:schemeClr val="tx1"/>
+                </a:solidFill>
+              </a:rPr>
+              <a:t>programmable</a:t>
             </a:r>
             <a:endParaRPr lang="nl-NL" sz="2800" dirty="0" smtClean="0">
               <a:solidFill>
@@ -5017,7 +5033,7 @@
                   <a:schemeClr val="tx1"/>
                 </a:solidFill>
               </a:rPr>
-              <a:t>Self</a:t>
+              <a:t>You</a:t>
             </a:r>
             <a:r>
               <a:rPr lang="nl-NL" sz="2800" dirty="0" smtClean="0">
@@ -5033,7 +5049,55 @@
                   <a:schemeClr val="tx1"/>
                 </a:solidFill>
               </a:rPr>
-              <a:t>programmable</a:t>
+              <a:t>can</a:t>
+            </a:r>
+            <a:r>
+              <a:rPr lang="nl-NL" sz="2800" dirty="0" smtClean="0">
+                <a:solidFill>
+                  <a:schemeClr val="tx1"/>
+                </a:solidFill>
+              </a:rPr>
+              <a:t> </a:t>
+            </a:r>
+            <a:r>
+              <a:rPr lang="nl-NL" sz="2800" dirty="0" err="1" smtClean="0">
+                <a:solidFill>
+                  <a:schemeClr val="tx1"/>
+                </a:solidFill>
+              </a:rPr>
+              <a:t>tell</a:t>
+            </a:r>
+            <a:r>
+              <a:rPr lang="nl-NL" sz="2800" dirty="0" smtClean="0">
+                <a:solidFill>
+                  <a:schemeClr val="tx1"/>
+                </a:solidFill>
+              </a:rPr>
+              <a:t> time </a:t>
+            </a:r>
+            <a:r>
+              <a:rPr lang="nl-NL" sz="2800" dirty="0" err="1" smtClean="0">
+                <a:solidFill>
+                  <a:schemeClr val="tx1"/>
+                </a:solidFill>
+              </a:rPr>
+              <a:t>with</a:t>
+            </a:r>
+            <a:r>
+              <a:rPr lang="nl-NL" sz="2800" dirty="0" smtClean="0">
+                <a:solidFill>
+                  <a:schemeClr val="tx1"/>
+                </a:solidFill>
+              </a:rPr>
+              <a:t> </a:t>
+            </a:r>
+            <a:r>
+              <a:rPr lang="nl-NL" sz="2800" dirty="0" err="1" smtClean="0">
+                <a:solidFill>
+                  <a:schemeClr val="tx1"/>
+                </a:solidFill>
+              </a:rPr>
+              <a:t>it</a:t>
             </a:r>
             <a:endParaRPr lang="nl-NL" sz="2800" dirty="0" smtClean="0">
               <a:solidFill>
@@ -5041,89 +5105,6 @@
               </a:solidFill>
             </a:endParaRPr>
           </a:p>
-          <a:p>
-            <a:pPr marL="285750" indent="-285750">
-              <a:buFont typeface="Arial" panose="020B0604020202020204" pitchFamily="34" charset="0"/>
-              <a:buChar char="•"/>
-            </a:pPr>
-            <a:r>
-              <a:rPr lang="nl-NL" sz="2800" dirty="0" err="1" smtClean="0">
-                <a:solidFill>
-                  <a:schemeClr val="tx1"/>
-                </a:solidFill>
-              </a:rPr>
-              <a:t>You</a:t>
-            </a:r>
-            <a:r>
-              <a:rPr lang="nl-NL" sz="2800" dirty="0" smtClean="0">
-                <a:solidFill>
-                  <a:schemeClr val="tx1"/>
-                </a:solidFill>
-              </a:rPr>
-              <a:t> </a:t>
-            </a:r>
-            <a:r>
-              <a:rPr lang="nl-NL" sz="2800" dirty="0" err="1" smtClean="0">
-                <a:solidFill>
-                  <a:schemeClr val="tx1"/>
-                </a:solidFill>
-              </a:rPr>
-              <a:t>can</a:t>
-            </a:r>
-            <a:r>
-              <a:rPr lang="nl-NL" sz="2800" dirty="0" smtClean="0">
-                <a:solidFill>
-                  <a:schemeClr val="tx1"/>
-                </a:solidFill>
-              </a:rPr>
-              <a:t> </a:t>
-            </a:r>
-            <a:r>
-              <a:rPr lang="nl-NL" sz="2800" dirty="0" err="1" smtClean="0">
-                <a:solidFill>
-                  <a:schemeClr val="tx1"/>
-                </a:solidFill>
-              </a:rPr>
-              <a:t>tell</a:t>
-            </a:r>
-            <a:r>
-              <a:rPr lang="nl-NL" sz="2800" dirty="0" smtClean="0">
-                <a:solidFill>
-                  <a:schemeClr val="tx1"/>
-                </a:solidFill>
-              </a:rPr>
-              <a:t> time </a:t>
-            </a:r>
-            <a:r>
-              <a:rPr lang="nl-NL" sz="2800" dirty="0" err="1" smtClean="0">
-                <a:solidFill>
-                  <a:schemeClr val="tx1"/>
-                </a:solidFill>
-              </a:rPr>
-              <a:t>with</a:t>
-            </a:r>
-            <a:r>
-              <a:rPr lang="nl-NL" sz="2800" dirty="0" smtClean="0">
-                <a:solidFill>
-                  <a:schemeClr val="tx1"/>
-                </a:solidFill>
-              </a:rPr>
-              <a:t> </a:t>
-            </a:r>
-            <a:r>
-              <a:rPr lang="nl-NL" sz="2800" dirty="0" err="1" smtClean="0">
-                <a:solidFill>
-                  <a:schemeClr val="tx1"/>
-                </a:solidFill>
-              </a:rPr>
-              <a:t>it</a:t>
-            </a:r>
-            <a:endParaRPr lang="nl-NL" sz="2800" dirty="0" smtClean="0">
-              <a:solidFill>
-                <a:schemeClr val="tx1"/>
-              </a:solidFill>
-            </a:endParaRPr>
-          </a:p>
         </p:txBody>
       </p:sp>
       <p:sp>
@@ -5143,7 +5124,7 @@
           <a:p>
             <a:fld id="{34FA34CE-40B4-4262-94ED-B5C177459006}" type="datetime1">
               <a:rPr lang="nl-NL" smtClean="0"/>
-              <a:t>13-4-2015</a:t>
+              <a:t>15-4-2015</a:t>
             </a:fld>
             <a:endParaRPr lang="nl-NL"/>
           </a:p>
@@ -5662,7 +5643,7 @@
           <a:p>
             <a:fld id="{34FA34CE-40B4-4262-94ED-B5C177459006}" type="datetime1">
               <a:rPr lang="nl-NL" smtClean="0"/>
-              <a:t>13-4-2015</a:t>
+              <a:t>15-4-2015</a:t>
             </a:fld>
             <a:endParaRPr lang="nl-NL"/>
           </a:p>
@@ -5828,7 +5809,7 @@
           <a:p>
             <a:fld id="{34FA34CE-40B4-4262-94ED-B5C177459006}" type="datetime1">
               <a:rPr lang="nl-NL" smtClean="0"/>
-              <a:t>13-4-2015</a:t>
+              <a:t>15-4-2015</a:t>
             </a:fld>
             <a:endParaRPr lang="nl-NL"/>
           </a:p>
@@ -6196,7 +6177,7 @@
           <a:p>
             <a:fld id="{34FA34CE-40B4-4262-94ED-B5C177459006}" type="datetime1">
               <a:rPr lang="nl-NL" smtClean="0"/>
-              <a:t>13-4-2015</a:t>
+              <a:t>15-4-2015</a:t>
             </a:fld>
             <a:endParaRPr lang="nl-NL"/>
           </a:p>
@@ -6378,7 +6359,7 @@
           <a:p>
             <a:fld id="{34FA34CE-40B4-4262-94ED-B5C177459006}" type="datetime1">
               <a:rPr lang="nl-NL" smtClean="0"/>
-              <a:t>13-4-2015</a:t>
+              <a:t>15-4-2015</a:t>
             </a:fld>
             <a:endParaRPr lang="nl-NL"/>
           </a:p>
@@ -6432,7 +6413,7 @@
       </p:sp>
       <p:sp>
         <p:nvSpPr>
-          <p:cNvPr id="7" name="Titel 6"/>
+          <p:cNvPr id="10" name="Titel 6"/>
           <p:cNvSpPr>
             <a:spLocks noGrp="1"/>
           </p:cNvSpPr>
@@ -6442,7 +6423,7 @@
         </p:nvSpPr>
         <p:spPr>
           <a:xfrm>
-            <a:off x="838200" y="2803525"/>
+            <a:off x="838200" y="365125"/>
             <a:ext cx="10515600" cy="828675"/>
           </a:xfrm>
         </p:spPr>
@@ -6450,12 +6431,373 @@
           <a:bodyPr/>
           <a:lstStyle/>
           <a:p>
-            <a:pPr algn="ctr"/>
-            <a:r>
-              <a:rPr lang="nl-NL" i="1" u="sng" dirty="0" err="1" smtClean="0"/>
-              <a:t>Demonstration</a:t>
-            </a:r>
-            <a:endParaRPr lang="nl-NL" i="1" u="sng" dirty="0"/>
+            <a:r>
+              <a:rPr lang="nl-NL" dirty="0" err="1" smtClean="0"/>
+              <a:t>Functionality</a:t>
+            </a:r>
+            <a:endParaRPr lang="nl-NL" dirty="0"/>
+          </a:p>
+        </p:txBody>
+      </p:sp>
+      <p:sp>
+        <p:nvSpPr>
+          <p:cNvPr id="11" name="Tijdelijke aanduiding voor inhoud 7"/>
+          <p:cNvSpPr>
+            <a:spLocks noGrp="1"/>
+          </p:cNvSpPr>
+          <p:nvPr>
+            <p:ph sz="quarter" idx="13"/>
+          </p:nvPr>
+        </p:nvSpPr>
+        <p:spPr>
+          <a:xfrm>
+            <a:off x="838200" y="1146968"/>
+            <a:ext cx="8407400" cy="452438"/>
+          </a:xfrm>
+        </p:spPr>
+        <p:txBody>
+          <a:bodyPr>
+            <a:normAutofit lnSpcReduction="10000"/>
+          </a:bodyPr>
+          <a:lstStyle/>
+          <a:p>
+            <a:r>
+              <a:rPr lang="nl-NL" dirty="0" smtClean="0"/>
+              <a:t>How </a:t>
+            </a:r>
+            <a:r>
+              <a:rPr lang="nl-NL" dirty="0" err="1" smtClean="0"/>
+              <a:t>to</a:t>
+            </a:r>
+            <a:r>
+              <a:rPr lang="nl-NL" dirty="0" smtClean="0"/>
+              <a:t> control the STK-Alarm </a:t>
+            </a:r>
+            <a:r>
+              <a:rPr lang="nl-NL" dirty="0" err="1" smtClean="0"/>
+              <a:t>clock</a:t>
+            </a:r>
+            <a:endParaRPr lang="nl-NL" dirty="0"/>
+          </a:p>
+        </p:txBody>
+      </p:sp>
+      <p:sp>
+        <p:nvSpPr>
+          <p:cNvPr id="3" name="Tekstvak 2"/>
+          <p:cNvSpPr txBox="1"/>
+          <p:nvPr/>
+        </p:nvSpPr>
+        <p:spPr>
+          <a:xfrm>
+            <a:off x="838200" y="1599406"/>
+            <a:ext cx="8728364" cy="4462760"/>
+          </a:xfrm>
+          <a:prstGeom prst="rect">
+            <a:avLst/>
+          </a:prstGeom>
+          <a:noFill/>
+        </p:spPr>
+        <p:txBody>
+          <a:bodyPr wrap="square" rtlCol="0">
+            <a:spAutoFit/>
+          </a:bodyPr>
+          <a:lstStyle/>
+          <a:p>
+            <a:pPr marL="285750" indent="-285750">
+              <a:buFont typeface="Arial" panose="020B0604020202020204" pitchFamily="34" charset="0"/>
+              <a:buChar char="•"/>
+            </a:pPr>
+            <a:r>
+              <a:rPr lang="nl-NL" sz="2800" dirty="0" smtClean="0"/>
+              <a:t>Setting the time</a:t>
+            </a:r>
+          </a:p>
+          <a:p>
+            <a:pPr marL="742950" lvl="1" indent="-285750">
+              <a:buFont typeface="Arial" panose="020B0604020202020204" pitchFamily="34" charset="0"/>
+              <a:buChar char="•"/>
+            </a:pPr>
+            <a:r>
+              <a:rPr lang="nl-NL" dirty="0" smtClean="0"/>
+              <a:t>Start the alarm </a:t>
+            </a:r>
+            <a:r>
+              <a:rPr lang="nl-NL" dirty="0" err="1" smtClean="0"/>
+              <a:t>clock</a:t>
+            </a:r>
+            <a:endParaRPr lang="nl-NL" dirty="0" smtClean="0"/>
+          </a:p>
+          <a:p>
+            <a:pPr marL="742950" lvl="1" indent="-285750">
+              <a:buFont typeface="Arial" panose="020B0604020202020204" pitchFamily="34" charset="0"/>
+              <a:buChar char="•"/>
+            </a:pPr>
+            <a:r>
+              <a:rPr lang="nl-NL" dirty="0" smtClean="0"/>
+              <a:t>Press the SW0 button </a:t>
+            </a:r>
+            <a:r>
+              <a:rPr lang="nl-NL" dirty="0" err="1" smtClean="0"/>
+              <a:t>to</a:t>
+            </a:r>
+            <a:r>
+              <a:rPr lang="nl-NL" dirty="0" smtClean="0"/>
+              <a:t> increment </a:t>
+            </a:r>
+            <a:r>
+              <a:rPr lang="nl-NL" dirty="0" err="1" smtClean="0"/>
+              <a:t>hours</a:t>
+            </a:r>
+            <a:r>
+              <a:rPr lang="nl-NL" dirty="0" smtClean="0"/>
+              <a:t>/minutes/</a:t>
+            </a:r>
+            <a:r>
+              <a:rPr lang="nl-NL" dirty="0" err="1" smtClean="0"/>
+              <a:t>seconds</a:t>
+            </a:r>
+            <a:endParaRPr lang="nl-NL" dirty="0" smtClean="0"/>
+          </a:p>
+          <a:p>
+            <a:pPr marL="742950" lvl="1" indent="-285750">
+              <a:buFont typeface="Arial" panose="020B0604020202020204" pitchFamily="34" charset="0"/>
+              <a:buChar char="•"/>
+            </a:pPr>
+            <a:r>
+              <a:rPr lang="nl-NL" dirty="0" smtClean="0"/>
+              <a:t>Press the SW1 button </a:t>
+            </a:r>
+            <a:r>
+              <a:rPr lang="nl-NL" dirty="0" err="1" smtClean="0"/>
+              <a:t>to</a:t>
+            </a:r>
+            <a:r>
+              <a:rPr lang="nl-NL" dirty="0" smtClean="0"/>
+              <a:t> switch </a:t>
+            </a:r>
+            <a:r>
+              <a:rPr lang="nl-NL" dirty="0" err="1" smtClean="0"/>
+              <a:t>between</a:t>
+            </a:r>
+            <a:r>
+              <a:rPr lang="nl-NL" dirty="0" smtClean="0"/>
+              <a:t> </a:t>
+            </a:r>
+            <a:r>
+              <a:rPr lang="nl-NL" dirty="0" err="1" smtClean="0"/>
+              <a:t>hours</a:t>
+            </a:r>
+            <a:r>
+              <a:rPr lang="nl-NL" dirty="0" smtClean="0"/>
+              <a:t>/minutes/</a:t>
+            </a:r>
+            <a:r>
+              <a:rPr lang="nl-NL" dirty="0" err="1" smtClean="0"/>
+              <a:t>seconds</a:t>
+            </a:r>
+            <a:endParaRPr lang="nl-NL" dirty="0" smtClean="0"/>
+          </a:p>
+          <a:p>
+            <a:pPr marL="742950" lvl="1" indent="-285750">
+              <a:buFont typeface="Arial" panose="020B0604020202020204" pitchFamily="34" charset="0"/>
+              <a:buChar char="•"/>
+            </a:pPr>
+            <a:endParaRPr lang="nl-NL" dirty="0" smtClean="0"/>
+          </a:p>
+          <a:p>
+            <a:pPr marL="285750" indent="-285750">
+              <a:buFont typeface="Arial" panose="020B0604020202020204" pitchFamily="34" charset="0"/>
+              <a:buChar char="•"/>
+            </a:pPr>
+            <a:r>
+              <a:rPr lang="nl-NL" sz="2800" dirty="0" smtClean="0"/>
+              <a:t>Setting the alarm</a:t>
+            </a:r>
+          </a:p>
+          <a:p>
+            <a:pPr marL="742950" lvl="1" indent="-285750">
+              <a:buFont typeface="Arial" panose="020B0604020202020204" pitchFamily="34" charset="0"/>
+              <a:buChar char="•"/>
+            </a:pPr>
+            <a:r>
+              <a:rPr lang="nl-NL" dirty="0" smtClean="0"/>
+              <a:t>Same way as setting time but </a:t>
+            </a:r>
+            <a:r>
+              <a:rPr lang="nl-NL" dirty="0" err="1" smtClean="0"/>
+              <a:t>only</a:t>
+            </a:r>
+            <a:r>
+              <a:rPr lang="nl-NL" dirty="0" smtClean="0"/>
+              <a:t> </a:t>
+            </a:r>
+            <a:r>
+              <a:rPr lang="nl-NL" dirty="0" err="1" smtClean="0"/>
+              <a:t>with</a:t>
+            </a:r>
+            <a:r>
+              <a:rPr lang="nl-NL" dirty="0" smtClean="0"/>
+              <a:t> </a:t>
+            </a:r>
+            <a:r>
+              <a:rPr lang="nl-NL" dirty="0" err="1" smtClean="0"/>
+              <a:t>hours</a:t>
+            </a:r>
+            <a:r>
+              <a:rPr lang="nl-NL" dirty="0" smtClean="0"/>
+              <a:t> </a:t>
+            </a:r>
+            <a:r>
+              <a:rPr lang="nl-NL" dirty="0" err="1" smtClean="0"/>
+              <a:t>and</a:t>
+            </a:r>
+            <a:r>
+              <a:rPr lang="nl-NL" dirty="0" smtClean="0"/>
+              <a:t> minutes</a:t>
+            </a:r>
+          </a:p>
+          <a:p>
+            <a:pPr marL="742950" lvl="1" indent="-285750">
+              <a:buFont typeface="Arial" panose="020B0604020202020204" pitchFamily="34" charset="0"/>
+              <a:buChar char="•"/>
+            </a:pPr>
+            <a:endParaRPr lang="nl-NL" dirty="0"/>
+          </a:p>
+          <a:p>
+            <a:pPr marL="285750" indent="-285750">
+              <a:buFont typeface="Arial" panose="020B0604020202020204" pitchFamily="34" charset="0"/>
+              <a:buChar char="•"/>
+            </a:pPr>
+            <a:r>
+              <a:rPr lang="nl-NL" sz="2800" dirty="0" smtClean="0"/>
+              <a:t>Turning the alarm on/off</a:t>
+            </a:r>
+          </a:p>
+          <a:p>
+            <a:pPr marL="742950" lvl="1" indent="-285750">
+              <a:buFont typeface="Arial" panose="020B0604020202020204" pitchFamily="34" charset="0"/>
+              <a:buChar char="•"/>
+            </a:pPr>
+            <a:r>
+              <a:rPr lang="nl-NL" dirty="0" err="1" smtClean="0"/>
+              <a:t>While</a:t>
+            </a:r>
+            <a:r>
+              <a:rPr lang="nl-NL" dirty="0" smtClean="0"/>
+              <a:t> </a:t>
+            </a:r>
+            <a:r>
+              <a:rPr lang="nl-NL" dirty="0" err="1" smtClean="0"/>
+              <a:t>changing</a:t>
+            </a:r>
+            <a:r>
+              <a:rPr lang="nl-NL" dirty="0" smtClean="0"/>
+              <a:t> the time </a:t>
+            </a:r>
+            <a:r>
+              <a:rPr lang="nl-NL" dirty="0" err="1" smtClean="0"/>
+              <a:t>press</a:t>
+            </a:r>
+            <a:r>
+              <a:rPr lang="nl-NL" dirty="0" smtClean="0"/>
+              <a:t> SW0 </a:t>
+            </a:r>
+            <a:r>
+              <a:rPr lang="nl-NL" dirty="0" err="1" smtClean="0"/>
+              <a:t>to</a:t>
+            </a:r>
+            <a:r>
+              <a:rPr lang="nl-NL" dirty="0" smtClean="0"/>
+              <a:t> </a:t>
+            </a:r>
+            <a:r>
+              <a:rPr lang="nl-NL" dirty="0" err="1" smtClean="0"/>
+              <a:t>toggle</a:t>
+            </a:r>
+            <a:r>
+              <a:rPr lang="nl-NL" dirty="0" smtClean="0"/>
+              <a:t> the alarm status</a:t>
+            </a:r>
+          </a:p>
+          <a:p>
+            <a:pPr marL="742950" lvl="1" indent="-285750">
+              <a:buFont typeface="Arial" panose="020B0604020202020204" pitchFamily="34" charset="0"/>
+              <a:buChar char="•"/>
+            </a:pPr>
+            <a:endParaRPr lang="nl-NL" dirty="0" smtClean="0"/>
+          </a:p>
+          <a:p>
+            <a:pPr marL="285750" indent="-285750">
+              <a:buFont typeface="Arial" panose="020B0604020202020204" pitchFamily="34" charset="0"/>
+              <a:buChar char="•"/>
+            </a:pPr>
+            <a:r>
+              <a:rPr lang="nl-NL" sz="2800" dirty="0" err="1" smtClean="0"/>
+              <a:t>Snooze</a:t>
+            </a:r>
+            <a:endParaRPr lang="nl-NL" sz="2800" dirty="0"/>
+          </a:p>
+          <a:p>
+            <a:pPr marL="742950" lvl="1" indent="-285750">
+              <a:buFont typeface="Arial" panose="020B0604020202020204" pitchFamily="34" charset="0"/>
+              <a:buChar char="•"/>
+            </a:pPr>
+            <a:r>
+              <a:rPr lang="nl-NL" dirty="0" err="1" smtClean="0"/>
+              <a:t>When</a:t>
+            </a:r>
+            <a:r>
+              <a:rPr lang="nl-NL" dirty="0" smtClean="0"/>
+              <a:t> the alarm is </a:t>
+            </a:r>
+            <a:r>
+              <a:rPr lang="nl-NL" dirty="0" err="1" smtClean="0"/>
+              <a:t>going</a:t>
+            </a:r>
+            <a:r>
+              <a:rPr lang="nl-NL" dirty="0" smtClean="0"/>
+              <a:t> off </a:t>
+            </a:r>
+            <a:r>
+              <a:rPr lang="nl-NL" dirty="0" err="1" smtClean="0"/>
+              <a:t>press</a:t>
+            </a:r>
+            <a:r>
+              <a:rPr lang="nl-NL" dirty="0" smtClean="0"/>
+              <a:t> SW1 </a:t>
+            </a:r>
+            <a:r>
+              <a:rPr lang="nl-NL" dirty="0" err="1" smtClean="0"/>
+              <a:t>to</a:t>
+            </a:r>
+            <a:r>
+              <a:rPr lang="nl-NL" dirty="0" smtClean="0"/>
+              <a:t> </a:t>
+            </a:r>
+            <a:r>
+              <a:rPr lang="nl-NL" dirty="0" err="1" smtClean="0"/>
+              <a:t>snooze</a:t>
+            </a:r>
+            <a:r>
+              <a:rPr lang="nl-NL" dirty="0" smtClean="0"/>
+              <a:t> or SW0 </a:t>
+            </a:r>
+            <a:r>
+              <a:rPr lang="nl-NL" dirty="0" err="1" smtClean="0"/>
+              <a:t>to</a:t>
+            </a:r>
+            <a:r>
+              <a:rPr lang="nl-NL" dirty="0" smtClean="0"/>
+              <a:t> turn </a:t>
+            </a:r>
+            <a:r>
+              <a:rPr lang="nl-NL" dirty="0" err="1" smtClean="0"/>
+              <a:t>it</a:t>
+            </a:r>
+            <a:r>
+              <a:rPr lang="nl-NL" dirty="0" smtClean="0"/>
+              <a:t> off </a:t>
+            </a:r>
           </a:p>
         </p:txBody>
       </p:sp>
@@ -6536,7 +6878,7 @@
           <a:p>
             <a:fld id="{D3508A91-0AA4-4448-BAC6-5C0A4820891B}" type="datetime1">
               <a:rPr lang="nl-NL" smtClean="0"/>
-              <a:t>13-4-2015</a:t>
+              <a:t>15-4-2015</a:t>
             </a:fld>
             <a:endParaRPr lang="nl-NL"/>
           </a:p>
@@ -6726,7 +7068,7 @@
           <a:p>
             <a:fld id="{5782F50F-33B8-4739-B56D-053B6761C188}" type="datetime1">
               <a:rPr lang="nl-NL" smtClean="0"/>
-              <a:t>13-4-2015</a:t>
+              <a:t>15-4-2015</a:t>
             </a:fld>
             <a:endParaRPr lang="nl-NL" dirty="0"/>
           </a:p>
